--- a/Power/ВКР.pptx
+++ b/Power/ВКР.pptx
@@ -3199,7 +3199,7 @@
           <a:p>
             <a:fld id="{5CD53283-0C54-4801-851B-CFE3DD693168}" type="datetimeFigureOut">
               <a:rPr lang="ru-RU" smtClean="0"/>
-              <a:t>13.05.2024</a:t>
+              <a:t>21.05.2024</a:t>
             </a:fld>
             <a:endParaRPr lang="ru-RU"/>
           </a:p>
@@ -12334,7 +12334,7 @@
           <a:graphicData uri="http://schemas.openxmlformats.org/presentationml/2006/ole">
             <mc:AlternateContent xmlns:mc="http://schemas.openxmlformats.org/markup-compatibility/2006">
               <mc:Choice xmlns:v="urn:schemas-microsoft-com:vml" Requires="v">
-                <p:oleObj spid="_x0000_s1104" name="Visio" r:id="rId3" imgW="5493630" imgH="2171511" progId="Visio.Drawing.15">
+                <p:oleObj spid="_x0000_s1105" name="Visio" r:id="rId3" imgW="5493630" imgH="2171511" progId="Visio.Drawing.15">
                   <p:embed/>
                 </p:oleObj>
               </mc:Choice>
@@ -12616,7 +12616,7 @@
           <a:graphicData uri="http://schemas.openxmlformats.org/presentationml/2006/ole">
             <mc:AlternateContent xmlns:mc="http://schemas.openxmlformats.org/markup-compatibility/2006">
               <mc:Choice xmlns:v="urn:schemas-microsoft-com:vml" Requires="v">
-                <p:oleObj spid="_x0000_s3196" name="Visio" r:id="rId3" imgW="6507126" imgH="2819274" progId="Visio.Drawing.15">
+                <p:oleObj spid="_x0000_s3198" name="Visio" r:id="rId3" imgW="6507126" imgH="2819274" progId="Visio.Drawing.15">
                   <p:embed/>
                 </p:oleObj>
               </mc:Choice>
@@ -12695,7 +12695,7 @@
           <a:graphicData uri="http://schemas.openxmlformats.org/presentationml/2006/ole">
             <mc:AlternateContent xmlns:mc="http://schemas.openxmlformats.org/markup-compatibility/2006">
               <mc:Choice xmlns:v="urn:schemas-microsoft-com:vml" Requires="v">
-                <p:oleObj spid="_x0000_s3197" name="Visio" r:id="rId5" imgW="6743594" imgH="1241652" progId="Visio.Drawing.15">
+                <p:oleObj spid="_x0000_s3199" name="Visio" r:id="rId5" imgW="6743594" imgH="1241652" progId="Visio.Drawing.15">
                   <p:embed/>
                 </p:oleObj>
               </mc:Choice>
@@ -13562,7 +13562,7 @@
           <a:graphicData uri="http://schemas.openxmlformats.org/presentationml/2006/ole">
             <mc:AlternateContent xmlns:mc="http://schemas.openxmlformats.org/markup-compatibility/2006">
               <mc:Choice xmlns:v="urn:schemas-microsoft-com:vml" Requires="v">
-                <p:oleObj spid="_x0000_s8267" name="Visio" r:id="rId3" imgW="5570185" imgH="2697103" progId="Visio.Drawing.15">
+                <p:oleObj spid="_x0000_s8268" name="Visio" r:id="rId3" imgW="5570185" imgH="2697103" progId="Visio.Drawing.15">
                   <p:embed/>
                 </p:oleObj>
               </mc:Choice>
